--- a/0_Report/__schema_table/Schema.pptx
+++ b/0_Report/__schema_table/Schema.pptx
@@ -273,7 +273,7 @@
           <a:p>
             <a:fld id="{8A4BC5C4-3B83-4D40-A2F2-85A6DFEA9E29}" type="datetimeFigureOut">
               <a:rPr lang="en-GB" smtClean="0"/>
-              <a:t>24/08/2017</a:t>
+              <a:t>29/08/2017</a:t>
             </a:fld>
             <a:endParaRPr lang="en-GB"/>
           </a:p>
@@ -443,7 +443,7 @@
           <a:p>
             <a:fld id="{8A4BC5C4-3B83-4D40-A2F2-85A6DFEA9E29}" type="datetimeFigureOut">
               <a:rPr lang="en-GB" smtClean="0"/>
-              <a:t>24/08/2017</a:t>
+              <a:t>29/08/2017</a:t>
             </a:fld>
             <a:endParaRPr lang="en-GB"/>
           </a:p>
@@ -623,7 +623,7 @@
           <a:p>
             <a:fld id="{8A4BC5C4-3B83-4D40-A2F2-85A6DFEA9E29}" type="datetimeFigureOut">
               <a:rPr lang="en-GB" smtClean="0"/>
-              <a:t>24/08/2017</a:t>
+              <a:t>29/08/2017</a:t>
             </a:fld>
             <a:endParaRPr lang="en-GB"/>
           </a:p>
@@ -793,7 +793,7 @@
           <a:p>
             <a:fld id="{8A4BC5C4-3B83-4D40-A2F2-85A6DFEA9E29}" type="datetimeFigureOut">
               <a:rPr lang="en-GB" smtClean="0"/>
-              <a:t>24/08/2017</a:t>
+              <a:t>29/08/2017</a:t>
             </a:fld>
             <a:endParaRPr lang="en-GB"/>
           </a:p>
@@ -1039,7 +1039,7 @@
           <a:p>
             <a:fld id="{8A4BC5C4-3B83-4D40-A2F2-85A6DFEA9E29}" type="datetimeFigureOut">
               <a:rPr lang="en-GB" smtClean="0"/>
-              <a:t>24/08/2017</a:t>
+              <a:t>29/08/2017</a:t>
             </a:fld>
             <a:endParaRPr lang="en-GB"/>
           </a:p>
@@ -1271,7 +1271,7 @@
           <a:p>
             <a:fld id="{8A4BC5C4-3B83-4D40-A2F2-85A6DFEA9E29}" type="datetimeFigureOut">
               <a:rPr lang="en-GB" smtClean="0"/>
-              <a:t>24/08/2017</a:t>
+              <a:t>29/08/2017</a:t>
             </a:fld>
             <a:endParaRPr lang="en-GB"/>
           </a:p>
@@ -1638,7 +1638,7 @@
           <a:p>
             <a:fld id="{8A4BC5C4-3B83-4D40-A2F2-85A6DFEA9E29}" type="datetimeFigureOut">
               <a:rPr lang="en-GB" smtClean="0"/>
-              <a:t>24/08/2017</a:t>
+              <a:t>29/08/2017</a:t>
             </a:fld>
             <a:endParaRPr lang="en-GB"/>
           </a:p>
@@ -1756,7 +1756,7 @@
           <a:p>
             <a:fld id="{8A4BC5C4-3B83-4D40-A2F2-85A6DFEA9E29}" type="datetimeFigureOut">
               <a:rPr lang="en-GB" smtClean="0"/>
-              <a:t>24/08/2017</a:t>
+              <a:t>29/08/2017</a:t>
             </a:fld>
             <a:endParaRPr lang="en-GB"/>
           </a:p>
@@ -1851,7 +1851,7 @@
           <a:p>
             <a:fld id="{8A4BC5C4-3B83-4D40-A2F2-85A6DFEA9E29}" type="datetimeFigureOut">
               <a:rPr lang="en-GB" smtClean="0"/>
-              <a:t>24/08/2017</a:t>
+              <a:t>29/08/2017</a:t>
             </a:fld>
             <a:endParaRPr lang="en-GB"/>
           </a:p>
@@ -2128,7 +2128,7 @@
           <a:p>
             <a:fld id="{8A4BC5C4-3B83-4D40-A2F2-85A6DFEA9E29}" type="datetimeFigureOut">
               <a:rPr lang="en-GB" smtClean="0"/>
-              <a:t>24/08/2017</a:t>
+              <a:t>29/08/2017</a:t>
             </a:fld>
             <a:endParaRPr lang="en-GB"/>
           </a:p>
@@ -2381,7 +2381,7 @@
           <a:p>
             <a:fld id="{8A4BC5C4-3B83-4D40-A2F2-85A6DFEA9E29}" type="datetimeFigureOut">
               <a:rPr lang="en-GB" smtClean="0"/>
-              <a:t>24/08/2017</a:t>
+              <a:t>29/08/2017</a:t>
             </a:fld>
             <a:endParaRPr lang="en-GB"/>
           </a:p>
@@ -2594,7 +2594,7 @@
           <a:p>
             <a:fld id="{8A4BC5C4-3B83-4D40-A2F2-85A6DFEA9E29}" type="datetimeFigureOut">
               <a:rPr lang="en-GB" smtClean="0"/>
-              <a:t>24/08/2017</a:t>
+              <a:t>29/08/2017</a:t>
             </a:fld>
             <a:endParaRPr lang="en-GB"/>
           </a:p>
@@ -16761,12 +16761,15 @@
         </p:nvSpPr>
         <p:spPr>
           <a:xfrm>
-            <a:off x="4525248" y="3891569"/>
+            <a:off x="4316592" y="1755923"/>
             <a:ext cx="3255333" cy="495300"/>
           </a:xfrm>
           <a:prstGeom prst="rect">
             <a:avLst/>
           </a:prstGeom>
+          <a:ln>
+            <a:noFill/>
+          </a:ln>
         </p:spPr>
         <p:style>
           <a:lnRef idx="2">
@@ -16810,7 +16813,7 @@
         </p:nvSpPr>
         <p:spPr>
           <a:xfrm>
-            <a:off x="2344301" y="3891569"/>
+            <a:off x="2135645" y="1755923"/>
             <a:ext cx="1707691" cy="495300"/>
           </a:xfrm>
           <a:prstGeom prst="rect">
@@ -16859,7 +16862,7 @@
         </p:nvSpPr>
         <p:spPr>
           <a:xfrm>
-            <a:off x="6386532" y="2963872"/>
+            <a:off x="6177876" y="828226"/>
             <a:ext cx="1394049" cy="495300"/>
           </a:xfrm>
           <a:prstGeom prst="rect">
@@ -16908,7 +16911,7 @@
         </p:nvSpPr>
         <p:spPr>
           <a:xfrm>
-            <a:off x="4525248" y="2963872"/>
+            <a:off x="4316592" y="828226"/>
             <a:ext cx="1394049" cy="495300"/>
           </a:xfrm>
           <a:prstGeom prst="rect">
@@ -16961,7 +16964,7 @@
         </p:nvCxnSpPr>
         <p:spPr>
           <a:xfrm>
-            <a:off x="4051992" y="4139219"/>
+            <a:off x="3843336" y="2003573"/>
             <a:ext cx="473256" cy="0"/>
           </a:xfrm>
           <a:prstGeom prst="straightConnector1">
@@ -17002,7 +17005,7 @@
         </p:nvCxnSpPr>
         <p:spPr>
           <a:xfrm>
-            <a:off x="5919297" y="3211522"/>
+            <a:off x="5710641" y="1075876"/>
             <a:ext cx="473256" cy="0"/>
           </a:xfrm>
           <a:prstGeom prst="straightConnector1">
@@ -17044,7 +17047,7 @@
         </p:nvCxnSpPr>
         <p:spPr>
           <a:xfrm flipH="1">
-            <a:off x="5222272" y="3459172"/>
+            <a:off x="5013616" y="1323526"/>
             <a:ext cx="1" cy="432397"/>
           </a:xfrm>
           <a:prstGeom prst="straightConnector1">
@@ -17086,7 +17089,7 @@
         </p:nvCxnSpPr>
         <p:spPr>
           <a:xfrm flipH="1">
-            <a:off x="7075586" y="3459172"/>
+            <a:off x="6866930" y="1323526"/>
             <a:ext cx="1" cy="432397"/>
           </a:xfrm>
           <a:prstGeom prst="straightConnector1">
@@ -17126,12 +17129,15 @@
         </p:nvSpPr>
         <p:spPr>
           <a:xfrm>
-            <a:off x="2347311" y="3891569"/>
+            <a:off x="2138655" y="1755923"/>
             <a:ext cx="1707691" cy="495300"/>
           </a:xfrm>
           <a:prstGeom prst="rect">
             <a:avLst/>
           </a:prstGeom>
+          <a:ln>
+            <a:noFill/>
+          </a:ln>
         </p:spPr>
         <p:style>
           <a:lnRef idx="1">
@@ -17154,7 +17160,7 @@
             <a:pPr algn="ctr"/>
             <a:r>
               <a:rPr lang="en-GB" dirty="0"/>
-              <a:t>Interrupt Entry</a:t>
+              <a:t>Interrupt Controller</a:t>
             </a:r>
           </a:p>
         </p:txBody>
@@ -17173,12 +17179,15 @@
         </p:nvSpPr>
         <p:spPr>
           <a:xfrm>
-            <a:off x="6389542" y="2963872"/>
+            <a:off x="6180886" y="828226"/>
             <a:ext cx="1394049" cy="495300"/>
           </a:xfrm>
           <a:prstGeom prst="rect">
             <a:avLst/>
           </a:prstGeom>
+          <a:ln>
+            <a:noFill/>
+          </a:ln>
         </p:spPr>
         <p:style>
           <a:lnRef idx="1">
@@ -17220,12 +17229,15 @@
         </p:nvSpPr>
         <p:spPr>
           <a:xfrm>
-            <a:off x="4528258" y="2963872"/>
+            <a:off x="4319602" y="828226"/>
             <a:ext cx="1394049" cy="495300"/>
           </a:xfrm>
           <a:prstGeom prst="rect">
             <a:avLst/>
           </a:prstGeom>
+          <a:ln>
+            <a:noFill/>
+          </a:ln>
         </p:spPr>
         <p:style>
           <a:lnRef idx="1">
@@ -17269,7 +17281,7 @@
         </p:nvCxnSpPr>
         <p:spPr>
           <a:xfrm flipH="1">
-            <a:off x="2332569" y="4139078"/>
+            <a:off x="2123913" y="2003432"/>
             <a:ext cx="16692" cy="966833"/>
           </a:xfrm>
           <a:prstGeom prst="line">
@@ -17294,12 +17306,54 @@
           </a:fontRef>
         </p:style>
       </p:cxnSp>
-      <p:sp>
-        <p:nvSpPr>
-          <p:cNvPr id="31" name="Flèche : double flèche horizontale 30">
-            <a:extLst>
-              <a:ext uri="{FF2B5EF4-FFF2-40B4-BE49-F238E27FC236}">
-                <a16:creationId xmlns:a16="http://schemas.microsoft.com/office/drawing/2014/main" id="{ED1916C7-8D1F-40B2-82E1-4E072587D6CB}"/>
+      <p:cxnSp>
+        <p:nvCxnSpPr>
+          <p:cNvPr id="41" name="Connecteur droit 40">
+            <a:extLst>
+              <a:ext uri="{FF2B5EF4-FFF2-40B4-BE49-F238E27FC236}">
+                <a16:creationId xmlns:a16="http://schemas.microsoft.com/office/drawing/2014/main" id="{C0949B89-AF7E-44F8-9CDC-E41E694CC191}"/>
+              </a:ext>
+            </a:extLst>
+          </p:cNvPr>
+          <p:cNvCxnSpPr>
+            <a:cxnSpLocks/>
+            <a:stCxn id="22" idx="3"/>
+          </p:cNvCxnSpPr>
+          <p:nvPr/>
+        </p:nvCxnSpPr>
+        <p:spPr>
+          <a:xfrm flipH="1">
+            <a:off x="7573431" y="1075876"/>
+            <a:ext cx="1504" cy="1955758"/>
+          </a:xfrm>
+          <a:prstGeom prst="line">
+            <a:avLst/>
+          </a:prstGeom>
+          <a:ln w="19050">
+            <a:prstDash val="dash"/>
+          </a:ln>
+        </p:spPr>
+        <p:style>
+          <a:lnRef idx="1">
+            <a:schemeClr val="accent1"/>
+          </a:lnRef>
+          <a:fillRef idx="0">
+            <a:schemeClr val="accent1"/>
+          </a:fillRef>
+          <a:effectRef idx="0">
+            <a:schemeClr val="accent1"/>
+          </a:effectRef>
+          <a:fontRef idx="minor">
+            <a:schemeClr val="tx1"/>
+          </a:fontRef>
+        </p:style>
+      </p:cxnSp>
+      <p:sp>
+        <p:nvSpPr>
+          <p:cNvPr id="16" name="Ellipse 15">
+            <a:extLst>
+              <a:ext uri="{FF2B5EF4-FFF2-40B4-BE49-F238E27FC236}">
+                <a16:creationId xmlns:a16="http://schemas.microsoft.com/office/drawing/2014/main" id="{E266ADEC-A585-41AB-9F2C-0B5C78489ABB}"/>
               </a:ext>
             </a:extLst>
           </p:cNvPr>
@@ -17308,21 +17362,12 @@
         </p:nvSpPr>
         <p:spPr>
           <a:xfrm>
-            <a:off x="2344301" y="4597798"/>
-            <a:ext cx="5417330" cy="400332"/>
-          </a:xfrm>
-          <a:prstGeom prst="leftRightArrow">
-            <a:avLst/>
-          </a:prstGeom>
-          <a:solidFill>
-            <a:schemeClr val="accent1">
-              <a:lumMod val="60000"/>
-              <a:lumOff val="40000"/>
-            </a:schemeClr>
-          </a:solidFill>
-          <a:ln>
-            <a:noFill/>
-          </a:ln>
+            <a:off x="1921095" y="3442745"/>
+            <a:ext cx="418563" cy="418564"/>
+          </a:xfrm>
+          <a:prstGeom prst="ellipse">
+            <a:avLst/>
+          </a:prstGeom>
         </p:spPr>
         <p:style>
           <a:lnRef idx="2">
@@ -17345,61 +17390,365 @@
           <a:lstStyle/>
           <a:p>
             <a:pPr algn="ctr"/>
-            <a:r>
-              <a:rPr lang="en-GB" dirty="0">
+            <a:endParaRPr lang="en-GB"/>
+          </a:p>
+        </p:txBody>
+      </p:sp>
+      <p:sp>
+        <p:nvSpPr>
+          <p:cNvPr id="17" name="ZoneTexte 16">
+            <a:extLst>
+              <a:ext uri="{FF2B5EF4-FFF2-40B4-BE49-F238E27FC236}">
+                <a16:creationId xmlns:a16="http://schemas.microsoft.com/office/drawing/2014/main" id="{3A533F68-2B67-402F-A5DB-F968C05D38CC}"/>
+              </a:ext>
+            </a:extLst>
+          </p:cNvPr>
+          <p:cNvSpPr txBox="1"/>
+          <p:nvPr/>
+        </p:nvSpPr>
+        <p:spPr>
+          <a:xfrm>
+            <a:off x="1887310" y="3059511"/>
+            <a:ext cx="520655" cy="369332"/>
+          </a:xfrm>
+          <a:prstGeom prst="rect">
+            <a:avLst/>
+          </a:prstGeom>
+          <a:noFill/>
+        </p:spPr>
+        <p:txBody>
+          <a:bodyPr wrap="none" rtlCol="0">
+            <a:spAutoFit/>
+          </a:bodyPr>
+          <a:lstStyle/>
+          <a:p>
+            <a:r>
+              <a:rPr lang="en-GB" dirty="0"/>
+              <a:t>IRQ</a:t>
+            </a:r>
+          </a:p>
+        </p:txBody>
+      </p:sp>
+      <p:sp>
+        <p:nvSpPr>
+          <p:cNvPr id="19" name="Ellipse 18">
+            <a:extLst>
+              <a:ext uri="{FF2B5EF4-FFF2-40B4-BE49-F238E27FC236}">
+                <a16:creationId xmlns:a16="http://schemas.microsoft.com/office/drawing/2014/main" id="{FBCE9530-B06A-4372-A537-D1792A68FEEC}"/>
+              </a:ext>
+            </a:extLst>
+          </p:cNvPr>
+          <p:cNvSpPr/>
+          <p:nvPr/>
+        </p:nvSpPr>
+        <p:spPr>
+          <a:xfrm>
+            <a:off x="1921094" y="4185707"/>
+            <a:ext cx="418563" cy="418564"/>
+          </a:xfrm>
+          <a:prstGeom prst="ellipse">
+            <a:avLst/>
+          </a:prstGeom>
+        </p:spPr>
+        <p:style>
+          <a:lnRef idx="2">
+            <a:schemeClr val="dk1"/>
+          </a:lnRef>
+          <a:fillRef idx="1">
+            <a:schemeClr val="lt1"/>
+          </a:fillRef>
+          <a:effectRef idx="0">
+            <a:schemeClr val="dk1"/>
+          </a:effectRef>
+          <a:fontRef idx="minor">
+            <a:schemeClr val="dk1"/>
+          </a:fontRef>
+        </p:style>
+        <p:txBody>
+          <a:bodyPr rtlCol="0" anchor="ctr"/>
+          <a:lstStyle/>
+          <a:p>
+            <a:pPr algn="ctr"/>
+            <a:endParaRPr lang="en-GB"/>
+          </a:p>
+        </p:txBody>
+      </p:sp>
+      <p:sp>
+        <p:nvSpPr>
+          <p:cNvPr id="20" name="ZoneTexte 19">
+            <a:extLst>
+              <a:ext uri="{FF2B5EF4-FFF2-40B4-BE49-F238E27FC236}">
+                <a16:creationId xmlns:a16="http://schemas.microsoft.com/office/drawing/2014/main" id="{CC8878B1-118C-4DF2-82AB-54629053B274}"/>
+              </a:ext>
+            </a:extLst>
+          </p:cNvPr>
+          <p:cNvSpPr txBox="1"/>
+          <p:nvPr/>
+        </p:nvSpPr>
+        <p:spPr>
+          <a:xfrm>
+            <a:off x="1893773" y="3816375"/>
+            <a:ext cx="473206" cy="369332"/>
+          </a:xfrm>
+          <a:prstGeom prst="rect">
+            <a:avLst/>
+          </a:prstGeom>
+          <a:noFill/>
+        </p:spPr>
+        <p:txBody>
+          <a:bodyPr wrap="none" rtlCol="0">
+            <a:spAutoFit/>
+          </a:bodyPr>
+          <a:lstStyle/>
+          <a:p>
+            <a:r>
+              <a:rPr lang="en-GB" dirty="0"/>
+              <a:t>ISR</a:t>
+            </a:r>
+          </a:p>
+        </p:txBody>
+      </p:sp>
+      <p:sp>
+        <p:nvSpPr>
+          <p:cNvPr id="28" name="Ellipse 27">
+            <a:extLst>
+              <a:ext uri="{FF2B5EF4-FFF2-40B4-BE49-F238E27FC236}">
+                <a16:creationId xmlns:a16="http://schemas.microsoft.com/office/drawing/2014/main" id="{E84D7221-77F4-46B0-96FF-2908320B843D}"/>
+              </a:ext>
+            </a:extLst>
+          </p:cNvPr>
+          <p:cNvSpPr/>
+          <p:nvPr/>
+        </p:nvSpPr>
+        <p:spPr>
+          <a:xfrm>
+            <a:off x="7350157" y="3442745"/>
+            <a:ext cx="418563" cy="418564"/>
+          </a:xfrm>
+          <a:prstGeom prst="ellipse">
+            <a:avLst/>
+          </a:prstGeom>
+        </p:spPr>
+        <p:style>
+          <a:lnRef idx="2">
+            <a:schemeClr val="accent1">
+              <a:shade val="50000"/>
+            </a:schemeClr>
+          </a:lnRef>
+          <a:fillRef idx="1">
+            <a:schemeClr val="accent1"/>
+          </a:fillRef>
+          <a:effectRef idx="0">
+            <a:schemeClr val="accent1"/>
+          </a:effectRef>
+          <a:fontRef idx="minor">
+            <a:schemeClr val="lt1"/>
+          </a:fontRef>
+        </p:style>
+        <p:txBody>
+          <a:bodyPr rtlCol="0" anchor="ctr"/>
+          <a:lstStyle/>
+          <a:p>
+            <a:pPr algn="ctr"/>
+            <a:endParaRPr lang="en-GB"/>
+          </a:p>
+        </p:txBody>
+      </p:sp>
+      <p:sp>
+        <p:nvSpPr>
+          <p:cNvPr id="29" name="ZoneTexte 28">
+            <a:extLst>
+              <a:ext uri="{FF2B5EF4-FFF2-40B4-BE49-F238E27FC236}">
+                <a16:creationId xmlns:a16="http://schemas.microsoft.com/office/drawing/2014/main" id="{0854E70D-CE31-4F65-B6B1-A382D93B3578}"/>
+              </a:ext>
+            </a:extLst>
+          </p:cNvPr>
+          <p:cNvSpPr txBox="1"/>
+          <p:nvPr/>
+        </p:nvSpPr>
+        <p:spPr>
+          <a:xfrm>
+            <a:off x="7316372" y="3059511"/>
+            <a:ext cx="520655" cy="369332"/>
+          </a:xfrm>
+          <a:prstGeom prst="rect">
+            <a:avLst/>
+          </a:prstGeom>
+          <a:noFill/>
+        </p:spPr>
+        <p:txBody>
+          <a:bodyPr wrap="none" rtlCol="0">
+            <a:spAutoFit/>
+          </a:bodyPr>
+          <a:lstStyle/>
+          <a:p>
+            <a:r>
+              <a:rPr lang="en-GB" dirty="0"/>
+              <a:t>IRQ</a:t>
+            </a:r>
+          </a:p>
+        </p:txBody>
+      </p:sp>
+      <p:sp>
+        <p:nvSpPr>
+          <p:cNvPr id="30" name="Ellipse 29">
+            <a:extLst>
+              <a:ext uri="{FF2B5EF4-FFF2-40B4-BE49-F238E27FC236}">
+                <a16:creationId xmlns:a16="http://schemas.microsoft.com/office/drawing/2014/main" id="{69482172-9695-44AC-8BF7-3784ADEAABC3}"/>
+              </a:ext>
+            </a:extLst>
+          </p:cNvPr>
+          <p:cNvSpPr/>
+          <p:nvPr/>
+        </p:nvSpPr>
+        <p:spPr>
+          <a:xfrm>
+            <a:off x="7350156" y="4185707"/>
+            <a:ext cx="418563" cy="418564"/>
+          </a:xfrm>
+          <a:prstGeom prst="ellipse">
+            <a:avLst/>
+          </a:prstGeom>
+        </p:spPr>
+        <p:style>
+          <a:lnRef idx="2">
+            <a:schemeClr val="accent1">
+              <a:shade val="50000"/>
+            </a:schemeClr>
+          </a:lnRef>
+          <a:fillRef idx="1">
+            <a:schemeClr val="accent1"/>
+          </a:fillRef>
+          <a:effectRef idx="0">
+            <a:schemeClr val="accent1"/>
+          </a:effectRef>
+          <a:fontRef idx="minor">
+            <a:schemeClr val="lt1"/>
+          </a:fontRef>
+        </p:style>
+        <p:txBody>
+          <a:bodyPr rtlCol="0" anchor="ctr"/>
+          <a:lstStyle/>
+          <a:p>
+            <a:pPr algn="ctr"/>
+            <a:endParaRPr lang="en-GB"/>
+          </a:p>
+        </p:txBody>
+      </p:sp>
+      <p:sp>
+        <p:nvSpPr>
+          <p:cNvPr id="32" name="ZoneTexte 31">
+            <a:extLst>
+              <a:ext uri="{FF2B5EF4-FFF2-40B4-BE49-F238E27FC236}">
+                <a16:creationId xmlns:a16="http://schemas.microsoft.com/office/drawing/2014/main" id="{A5D23956-E116-4E25-8A77-60829A961463}"/>
+              </a:ext>
+            </a:extLst>
+          </p:cNvPr>
+          <p:cNvSpPr txBox="1"/>
+          <p:nvPr/>
+        </p:nvSpPr>
+        <p:spPr>
+          <a:xfrm>
+            <a:off x="7322835" y="3816375"/>
+            <a:ext cx="473206" cy="369332"/>
+          </a:xfrm>
+          <a:prstGeom prst="rect">
+            <a:avLst/>
+          </a:prstGeom>
+          <a:noFill/>
+        </p:spPr>
+        <p:txBody>
+          <a:bodyPr wrap="none" rtlCol="0">
+            <a:spAutoFit/>
+          </a:bodyPr>
+          <a:lstStyle/>
+          <a:p>
+            <a:r>
+              <a:rPr lang="en-GB" dirty="0"/>
+              <a:t>ISR</a:t>
+            </a:r>
+          </a:p>
+        </p:txBody>
+      </p:sp>
+      <p:cxnSp>
+        <p:nvCxnSpPr>
+          <p:cNvPr id="5" name="Connecteur droit avec flèche 4">
+            <a:extLst>
+              <a:ext uri="{FF2B5EF4-FFF2-40B4-BE49-F238E27FC236}">
+                <a16:creationId xmlns:a16="http://schemas.microsoft.com/office/drawing/2014/main" id="{49585A05-0A7E-4DEF-8476-1C2F2F3D8492}"/>
+              </a:ext>
+            </a:extLst>
+          </p:cNvPr>
+          <p:cNvCxnSpPr/>
+          <p:nvPr/>
+        </p:nvCxnSpPr>
+        <p:spPr>
+          <a:xfrm>
+            <a:off x="2135645" y="2853664"/>
+            <a:ext cx="5436280" cy="0"/>
+          </a:xfrm>
+          <a:prstGeom prst="straightConnector1">
+            <a:avLst/>
+          </a:prstGeom>
+          <a:ln w="38100">
+            <a:headEnd type="triangle"/>
+            <a:tailEnd type="triangle"/>
+          </a:ln>
+        </p:spPr>
+        <p:style>
+          <a:lnRef idx="1">
+            <a:schemeClr val="accent1"/>
+          </a:lnRef>
+          <a:fillRef idx="0">
+            <a:schemeClr val="accent1"/>
+          </a:fillRef>
+          <a:effectRef idx="0">
+            <a:schemeClr val="accent1"/>
+          </a:effectRef>
+          <a:fontRef idx="minor">
+            <a:schemeClr val="tx1"/>
+          </a:fontRef>
+        </p:style>
+      </p:cxnSp>
+      <p:sp>
+        <p:nvSpPr>
+          <p:cNvPr id="7" name="ZoneTexte 6">
+            <a:extLst>
+              <a:ext uri="{FF2B5EF4-FFF2-40B4-BE49-F238E27FC236}">
+                <a16:creationId xmlns:a16="http://schemas.microsoft.com/office/drawing/2014/main" id="{07DFAB10-9343-4DA7-A0CE-EAE0E5B7E20A}"/>
+              </a:ext>
+            </a:extLst>
+          </p:cNvPr>
+          <p:cNvSpPr txBox="1"/>
+          <p:nvPr/>
+        </p:nvSpPr>
+        <p:spPr>
+          <a:xfrm>
+            <a:off x="4034688" y="2498954"/>
+            <a:ext cx="1833002" cy="369332"/>
+          </a:xfrm>
+          <a:prstGeom prst="rect">
+            <a:avLst/>
+          </a:prstGeom>
+          <a:noFill/>
+        </p:spPr>
+        <p:txBody>
+          <a:bodyPr wrap="none" rtlCol="0">
+            <a:spAutoFit/>
+          </a:bodyPr>
+          <a:lstStyle/>
+          <a:p>
+            <a:r>
+              <a:rPr lang="en-GB" b="1" dirty="0">
                 <a:solidFill>
-                  <a:schemeClr val="accent3">
-                    <a:lumMod val="20000"/>
-                    <a:lumOff val="80000"/>
-                  </a:schemeClr>
+                  <a:schemeClr val="accent1"/>
                 </a:solidFill>
               </a:rPr>
-              <a:t>Interrupt latency</a:t>
-            </a:r>
-          </a:p>
-        </p:txBody>
-      </p:sp>
-      <p:cxnSp>
-        <p:nvCxnSpPr>
-          <p:cNvPr id="41" name="Connecteur droit 40">
-            <a:extLst>
-              <a:ext uri="{FF2B5EF4-FFF2-40B4-BE49-F238E27FC236}">
-                <a16:creationId xmlns:a16="http://schemas.microsoft.com/office/drawing/2014/main" id="{C0949B89-AF7E-44F8-9CDC-E41E694CC191}"/>
-              </a:ext>
-            </a:extLst>
-          </p:cNvPr>
-          <p:cNvCxnSpPr>
-            <a:cxnSpLocks/>
-          </p:cNvCxnSpPr>
-          <p:nvPr/>
-        </p:nvCxnSpPr>
-        <p:spPr>
-          <a:xfrm>
-            <a:off x="7782086" y="4139078"/>
-            <a:ext cx="0" cy="1028202"/>
-          </a:xfrm>
-          <a:prstGeom prst="line">
-            <a:avLst/>
-          </a:prstGeom>
-          <a:ln w="19050">
-            <a:prstDash val="dash"/>
-          </a:ln>
-        </p:spPr>
-        <p:style>
-          <a:lnRef idx="1">
-            <a:schemeClr val="accent1"/>
-          </a:lnRef>
-          <a:fillRef idx="0">
-            <a:schemeClr val="accent1"/>
-          </a:fillRef>
-          <a:effectRef idx="0">
-            <a:schemeClr val="accent1"/>
-          </a:effectRef>
-          <a:fontRef idx="minor">
-            <a:schemeClr val="tx1"/>
-          </a:fontRef>
-        </p:style>
-      </p:cxnSp>
+              <a:t>Interrupt Latency</a:t>
+            </a:r>
+          </a:p>
+        </p:txBody>
+      </p:sp>
     </p:spTree>
     <p:extLst>
       <p:ext uri="{BB962C8B-B14F-4D97-AF65-F5344CB8AC3E}">
